--- a/Randori/Katas/Tennis Kata.pptx
+++ b/Randori/Katas/Tennis Kata.pptx
@@ -194,7 +194,7 @@
           <a:p>
             <a:fld id="{A159D31D-A4A7-4388-8D6E-2035DF7AF6AE}" type="datetimeFigureOut">
               <a:rPr lang="es-PE" smtClean="0"/>
-              <a:t>14/07/2012</a:t>
+              <a:t>8/9/17</a:t>
             </a:fld>
             <a:endParaRPr lang="es-PE"/>
           </a:p>
@@ -353,7 +353,7 @@
           <a:p>
             <a:fld id="{92D0504E-A398-466F-BEA7-CB196C14635F}" type="slidenum">
               <a:rPr lang="es-PE" smtClean="0"/>
-              <a:t>‹Nº›</a:t>
+              <a:t>‹#›</a:t>
             </a:fld>
             <a:endParaRPr lang="es-PE"/>
           </a:p>
@@ -815,7 +815,7 @@
           <a:p>
             <a:fld id="{FCE2F2F3-FB49-4DEF-A20F-C298C96728F0}" type="datetimeFigureOut">
               <a:rPr lang="es-PE" smtClean="0"/>
-              <a:t>14/07/2012</a:t>
+              <a:t>8/9/17</a:t>
             </a:fld>
             <a:endParaRPr lang="es-PE"/>
           </a:p>
@@ -865,7 +865,7 @@
           <a:p>
             <a:fld id="{C9950930-8421-4D73-BA25-AB5E8A31A2D2}" type="slidenum">
               <a:rPr lang="es-PE" smtClean="0"/>
-              <a:t>‹Nº›</a:t>
+              <a:t>‹#›</a:t>
             </a:fld>
             <a:endParaRPr lang="es-PE"/>
           </a:p>
@@ -992,7 +992,7 @@
           <a:p>
             <a:fld id="{FCE2F2F3-FB49-4DEF-A20F-C298C96728F0}" type="datetimeFigureOut">
               <a:rPr lang="es-PE" smtClean="0"/>
-              <a:t>14/07/2012</a:t>
+              <a:t>8/9/17</a:t>
             </a:fld>
             <a:endParaRPr lang="es-PE"/>
           </a:p>
@@ -1042,7 +1042,7 @@
           <a:p>
             <a:fld id="{C9950930-8421-4D73-BA25-AB5E8A31A2D2}" type="slidenum">
               <a:rPr lang="es-PE" smtClean="0"/>
-              <a:t>‹Nº›</a:t>
+              <a:t>‹#›</a:t>
             </a:fld>
             <a:endParaRPr lang="es-PE"/>
           </a:p>
@@ -1179,7 +1179,7 @@
           <a:p>
             <a:fld id="{FCE2F2F3-FB49-4DEF-A20F-C298C96728F0}" type="datetimeFigureOut">
               <a:rPr lang="es-PE" smtClean="0"/>
-              <a:t>14/07/2012</a:t>
+              <a:t>8/9/17</a:t>
             </a:fld>
             <a:endParaRPr lang="es-PE"/>
           </a:p>
@@ -1229,7 +1229,7 @@
           <a:p>
             <a:fld id="{C9950930-8421-4D73-BA25-AB5E8A31A2D2}" type="slidenum">
               <a:rPr lang="es-PE" smtClean="0"/>
-              <a:t>‹Nº›</a:t>
+              <a:t>‹#›</a:t>
             </a:fld>
             <a:endParaRPr lang="es-PE"/>
           </a:p>
@@ -1356,7 +1356,7 @@
           <a:p>
             <a:fld id="{FCE2F2F3-FB49-4DEF-A20F-C298C96728F0}" type="datetimeFigureOut">
               <a:rPr lang="es-PE" smtClean="0"/>
-              <a:t>14/07/2012</a:t>
+              <a:t>8/9/17</a:t>
             </a:fld>
             <a:endParaRPr lang="es-PE"/>
           </a:p>
@@ -1406,7 +1406,7 @@
           <a:p>
             <a:fld id="{C9950930-8421-4D73-BA25-AB5E8A31A2D2}" type="slidenum">
               <a:rPr lang="es-PE" smtClean="0"/>
-              <a:t>‹Nº›</a:t>
+              <a:t>‹#›</a:t>
             </a:fld>
             <a:endParaRPr lang="es-PE"/>
           </a:p>
@@ -1609,7 +1609,7 @@
           <a:p>
             <a:fld id="{FCE2F2F3-FB49-4DEF-A20F-C298C96728F0}" type="datetimeFigureOut">
               <a:rPr lang="es-PE" smtClean="0"/>
-              <a:t>14/07/2012</a:t>
+              <a:t>8/9/17</a:t>
             </a:fld>
             <a:endParaRPr lang="es-PE"/>
           </a:p>
@@ -1659,7 +1659,7 @@
           <a:p>
             <a:fld id="{C9950930-8421-4D73-BA25-AB5E8A31A2D2}" type="slidenum">
               <a:rPr lang="es-PE" smtClean="0"/>
-              <a:t>‹Nº›</a:t>
+              <a:t>‹#›</a:t>
             </a:fld>
             <a:endParaRPr lang="es-PE"/>
           </a:p>
@@ -1904,7 +1904,7 @@
           <a:p>
             <a:fld id="{FCE2F2F3-FB49-4DEF-A20F-C298C96728F0}" type="datetimeFigureOut">
               <a:rPr lang="es-PE" smtClean="0"/>
-              <a:t>14/07/2012</a:t>
+              <a:t>8/9/17</a:t>
             </a:fld>
             <a:endParaRPr lang="es-PE"/>
           </a:p>
@@ -1954,7 +1954,7 @@
           <a:p>
             <a:fld id="{C9950930-8421-4D73-BA25-AB5E8A31A2D2}" type="slidenum">
               <a:rPr lang="es-PE" smtClean="0"/>
-              <a:t>‹Nº›</a:t>
+              <a:t>‹#›</a:t>
             </a:fld>
             <a:endParaRPr lang="es-PE"/>
           </a:p>
@@ -2333,7 +2333,7 @@
           <a:p>
             <a:fld id="{FCE2F2F3-FB49-4DEF-A20F-C298C96728F0}" type="datetimeFigureOut">
               <a:rPr lang="es-PE" smtClean="0"/>
-              <a:t>14/07/2012</a:t>
+              <a:t>8/9/17</a:t>
             </a:fld>
             <a:endParaRPr lang="es-PE"/>
           </a:p>
@@ -2383,7 +2383,7 @@
           <a:p>
             <a:fld id="{C9950930-8421-4D73-BA25-AB5E8A31A2D2}" type="slidenum">
               <a:rPr lang="es-PE" smtClean="0"/>
-              <a:t>‹Nº›</a:t>
+              <a:t>‹#›</a:t>
             </a:fld>
             <a:endParaRPr lang="es-PE"/>
           </a:p>
@@ -2458,7 +2458,7 @@
           <a:p>
             <a:fld id="{FCE2F2F3-FB49-4DEF-A20F-C298C96728F0}" type="datetimeFigureOut">
               <a:rPr lang="es-PE" smtClean="0"/>
-              <a:t>14/07/2012</a:t>
+              <a:t>8/9/17</a:t>
             </a:fld>
             <a:endParaRPr lang="es-PE"/>
           </a:p>
@@ -2508,7 +2508,7 @@
           <a:p>
             <a:fld id="{C9950930-8421-4D73-BA25-AB5E8A31A2D2}" type="slidenum">
               <a:rPr lang="es-PE" smtClean="0"/>
-              <a:t>‹Nº›</a:t>
+              <a:t>‹#›</a:t>
             </a:fld>
             <a:endParaRPr lang="es-PE"/>
           </a:p>
@@ -2560,7 +2560,7 @@
           <a:p>
             <a:fld id="{FCE2F2F3-FB49-4DEF-A20F-C298C96728F0}" type="datetimeFigureOut">
               <a:rPr lang="es-PE" smtClean="0"/>
-              <a:t>14/07/2012</a:t>
+              <a:t>8/9/17</a:t>
             </a:fld>
             <a:endParaRPr lang="es-PE"/>
           </a:p>
@@ -2610,7 +2610,7 @@
           <a:p>
             <a:fld id="{C9950930-8421-4D73-BA25-AB5E8A31A2D2}" type="slidenum">
               <a:rPr lang="es-PE" smtClean="0"/>
-              <a:t>‹Nº›</a:t>
+              <a:t>‹#›</a:t>
             </a:fld>
             <a:endParaRPr lang="es-PE"/>
           </a:p>
@@ -2844,7 +2844,7 @@
           <a:p>
             <a:fld id="{FCE2F2F3-FB49-4DEF-A20F-C298C96728F0}" type="datetimeFigureOut">
               <a:rPr lang="es-PE" smtClean="0"/>
-              <a:t>14/07/2012</a:t>
+              <a:t>8/9/17</a:t>
             </a:fld>
             <a:endParaRPr lang="es-PE"/>
           </a:p>
@@ -2894,7 +2894,7 @@
           <a:p>
             <a:fld id="{C9950930-8421-4D73-BA25-AB5E8A31A2D2}" type="slidenum">
               <a:rPr lang="es-PE" smtClean="0"/>
-              <a:t>‹Nº›</a:t>
+              <a:t>‹#›</a:t>
             </a:fld>
             <a:endParaRPr lang="es-PE"/>
           </a:p>
@@ -3111,7 +3111,7 @@
           <a:p>
             <a:fld id="{FCE2F2F3-FB49-4DEF-A20F-C298C96728F0}" type="datetimeFigureOut">
               <a:rPr lang="es-PE" smtClean="0"/>
-              <a:t>14/07/2012</a:t>
+              <a:t>8/9/17</a:t>
             </a:fld>
             <a:endParaRPr lang="es-PE"/>
           </a:p>
@@ -3161,7 +3161,7 @@
           <a:p>
             <a:fld id="{C9950930-8421-4D73-BA25-AB5E8A31A2D2}" type="slidenum">
               <a:rPr lang="es-PE" smtClean="0"/>
-              <a:t>‹Nº›</a:t>
+              <a:t>‹#›</a:t>
             </a:fld>
             <a:endParaRPr lang="es-PE"/>
           </a:p>
@@ -3356,7 +3356,7 @@
           <a:p>
             <a:fld id="{FCE2F2F3-FB49-4DEF-A20F-C298C96728F0}" type="datetimeFigureOut">
               <a:rPr lang="es-PE" smtClean="0"/>
-              <a:t>14/07/2012</a:t>
+              <a:t>8/9/17</a:t>
             </a:fld>
             <a:endParaRPr lang="es-PE"/>
           </a:p>
@@ -3448,7 +3448,7 @@
           <a:p>
             <a:fld id="{C9950930-8421-4D73-BA25-AB5E8A31A2D2}" type="slidenum">
               <a:rPr lang="es-PE" smtClean="0"/>
-              <a:t>‹Nº›</a:t>
+              <a:t>‹#›</a:t>
             </a:fld>
             <a:endParaRPr lang="es-PE"/>
           </a:p>
@@ -3897,17 +3897,7 @@
                 <a:latin typeface="Arial" pitchFamily="34" charset="0"/>
                 <a:cs typeface="Arial" pitchFamily="34" charset="0"/>
               </a:rPr>
-              <a:t>Desafío: </a:t>
-            </a:r>
-            <a:r>
-              <a:rPr lang="es-PE" dirty="0" err="1" smtClean="0">
-                <a:solidFill>
-                  <a:srgbClr val="C00000"/>
-                </a:solidFill>
-                <a:latin typeface="Arial" pitchFamily="34" charset="0"/>
-                <a:cs typeface="Arial" pitchFamily="34" charset="0"/>
-              </a:rPr>
-              <a:t>Tennis</a:t>
+              <a:t>Tennis </a:t>
             </a:r>
             <a:r>
               <a:rPr lang="es-PE" dirty="0" smtClean="0">
@@ -3917,7 +3907,7 @@
                 <a:latin typeface="Arial" pitchFamily="34" charset="0"/>
                 <a:cs typeface="Arial" pitchFamily="34" charset="0"/>
               </a:rPr>
-              <a:t> Kata</a:t>
+              <a:t>Kata</a:t>
             </a:r>
             <a:endParaRPr lang="es-PE" dirty="0">
               <a:solidFill>
@@ -4071,7 +4061,7 @@
         <p:spPr>
           <a:xfrm>
             <a:off x="395536" y="1596425"/>
-            <a:ext cx="8496944" cy="606384"/>
+            <a:ext cx="8496944" cy="634789"/>
           </a:xfrm>
           <a:prstGeom prst="rect">
             <a:avLst/>
@@ -4098,20 +4088,12 @@
               <a:t>Nos enfocaremos en el manejo del puntaje en un juego de </a:t>
             </a:r>
             <a:r>
-              <a:rPr lang="es-PE" sz="2400" dirty="0" err="1" smtClean="0">
-                <a:solidFill>
-                  <a:schemeClr val="bg1"/>
-                </a:solidFill>
-              </a:rPr>
-              <a:t>tennis</a:t>
-            </a:r>
-            <a:r>
               <a:rPr lang="es-PE" sz="2400" dirty="0" smtClean="0">
                 <a:solidFill>
                   <a:schemeClr val="bg1"/>
                 </a:solidFill>
               </a:rPr>
-              <a:t>.</a:t>
+              <a:t>tenis.</a:t>
             </a:r>
             <a:endParaRPr lang="es-PE" sz="2400" dirty="0">
               <a:solidFill>
@@ -4131,7 +4113,7 @@
         <p:spPr>
           <a:xfrm>
             <a:off x="395536" y="991420"/>
-            <a:ext cx="8496944" cy="619913"/>
+            <a:ext cx="8496944" cy="645048"/>
           </a:xfrm>
           <a:prstGeom prst="rect">
             <a:avLst/>
@@ -4155,7 +4137,7 @@
                   <a:srgbClr val="245794"/>
                 </a:solidFill>
               </a:rPr>
-              <a:t>Descripción</a:t>
+              <a:t>Reglas del Tennis</a:t>
             </a:r>
             <a:endParaRPr lang="es-PE" sz="2800" b="1" dirty="0">
               <a:solidFill>
@@ -4179,7 +4161,7 @@
   <p:timing>
     <p:tnLst>
       <p:par>
-        <p:cTn id="1" dur="indefinite" restart="never" nodeType="tmRoot"/>
+        <p:cTn xmlns:p14="http://schemas.microsoft.com/office/powerpoint/2010/main" id="1" dur="indefinite" restart="never" nodeType="tmRoot"/>
       </p:par>
     </p:tnLst>
   </p:timing>
@@ -4231,17 +4213,7 @@
                 <a:latin typeface="Arial" pitchFamily="34" charset="0"/>
                 <a:cs typeface="Arial" pitchFamily="34" charset="0"/>
               </a:rPr>
-              <a:t>Desafío: </a:t>
-            </a:r>
-            <a:r>
-              <a:rPr lang="es-PE" dirty="0" err="1" smtClean="0">
-                <a:solidFill>
-                  <a:srgbClr val="C00000"/>
-                </a:solidFill>
-                <a:latin typeface="Arial" pitchFamily="34" charset="0"/>
-                <a:cs typeface="Arial" pitchFamily="34" charset="0"/>
-              </a:rPr>
-              <a:t>Tennis</a:t>
+              <a:t>Tennis </a:t>
             </a:r>
             <a:r>
               <a:rPr lang="es-PE" dirty="0" smtClean="0">
@@ -4251,7 +4223,7 @@
                 <a:latin typeface="Arial" pitchFamily="34" charset="0"/>
                 <a:cs typeface="Arial" pitchFamily="34" charset="0"/>
               </a:rPr>
-              <a:t> Kata</a:t>
+              <a:t>Kata</a:t>
             </a:r>
             <a:endParaRPr lang="es-PE" dirty="0">
               <a:solidFill>
@@ -4422,7 +4394,7 @@
         <p:spPr>
           <a:xfrm>
             <a:off x="395536" y="1596425"/>
-            <a:ext cx="8496944" cy="1183466"/>
+            <a:ext cx="8496944" cy="1211870"/>
           </a:xfrm>
           <a:prstGeom prst="rect">
             <a:avLst/>
@@ -4449,20 +4421,12 @@
               <a:t>Escribir un programar que maneje los siguiente requerimientos de un juego de </a:t>
             </a:r>
             <a:r>
-              <a:rPr lang="es-PE" sz="2400" dirty="0" err="1" smtClean="0">
-                <a:solidFill>
-                  <a:schemeClr val="bg1"/>
-                </a:solidFill>
-              </a:rPr>
-              <a:t>tennis</a:t>
-            </a:r>
-            <a:r>
               <a:rPr lang="es-PE" sz="2400" dirty="0" smtClean="0">
                 <a:solidFill>
                   <a:schemeClr val="bg1"/>
                 </a:solidFill>
               </a:rPr>
-              <a:t>:</a:t>
+              <a:t>tenis:</a:t>
             </a:r>
             <a:endParaRPr lang="es-PE" sz="2400" dirty="0">
               <a:solidFill>
@@ -4482,7 +4446,7 @@
         <p:spPr>
           <a:xfrm>
             <a:off x="395536" y="991420"/>
-            <a:ext cx="8496944" cy="619913"/>
+            <a:ext cx="8496944" cy="645048"/>
           </a:xfrm>
           <a:prstGeom prst="rect">
             <a:avLst/>
@@ -4506,7 +4470,7 @@
                   <a:srgbClr val="245794"/>
                 </a:solidFill>
               </a:rPr>
-              <a:t>Requerimientos</a:t>
+              <a:t>Objetivo</a:t>
             </a:r>
             <a:endParaRPr lang="es-PE" sz="2800" b="1" dirty="0">
               <a:solidFill>
@@ -4530,7 +4494,7 @@
   <p:timing>
     <p:tnLst>
       <p:par>
-        <p:cTn id="1" dur="indefinite" restart="never" nodeType="tmRoot"/>
+        <p:cTn xmlns:p14="http://schemas.microsoft.com/office/powerpoint/2010/main" id="1" dur="indefinite" restart="never" nodeType="tmRoot"/>
       </p:par>
     </p:tnLst>
   </p:timing>
